--- a/your-project/Final Project/Presentation & Eco insights/Copper, A New Economic Estimator ?.pptx
+++ b/your-project/Final Project/Presentation & Eco insights/Copper, A New Economic Estimator ?.pptx
@@ -4878,7 +4878,7 @@
             </a:br>
             <a:r>
               <a:rPr lang="en-AU" dirty="0"/>
-              <a:t>data SOURCE</a:t>
+              <a:t>PARAMETERS</a:t>
             </a:r>
             <a:br>
               <a:rPr lang="en-AU" dirty="0"/>
@@ -4915,52 +4915,43 @@
           </a:bodyPr>
           <a:lstStyle/>
           <a:p>
-            <a:r>
-              <a:rPr lang="en-AU" b="1" i="1" u="sng" dirty="0"/>
-              <a:t>WHAT I LOOKED FOR:</a:t>
-            </a:r>
+            <a:pPr marL="0" indent="0" algn="ctr">
+              <a:buNone/>
+            </a:pPr>
             <a:r>
               <a:rPr lang="en-AU" dirty="0"/>
-              <a:t>                                                                                      </a:t>
-            </a:r>
-            <a:r>
-              <a:rPr lang="en-AU" b="1" i="1" u="sng" dirty="0"/>
-              <a:t>DATA SOURCE:</a:t>
-            </a:r>
-          </a:p>
-          <a:p>
-            <a:pPr marL="0" indent="0">
+              <a:t>						</a:t>
+            </a:r>
+            <a:r>
+              <a:rPr lang="en-AU" sz="1800" dirty="0"/>
+              <a:t>-THE EVOLUTION OF THE PRICE OF COPPER… 						</a:t>
+            </a:r>
+          </a:p>
+          <a:p>
+            <a:pPr marL="0" indent="0" algn="ctr">
               <a:buNone/>
             </a:pPr>
-            <a:endParaRPr lang="en-AU" b="1" i="1" u="sng" dirty="0"/>
-          </a:p>
-          <a:p>
-            <a:pPr marL="0" indent="0">
+            <a:r>
+              <a:rPr lang="en-AU" sz="1800" dirty="0"/>
+              <a:t> - GDP</a:t>
+            </a:r>
+          </a:p>
+          <a:p>
+            <a:pPr marL="0" indent="0" algn="ctr">
               <a:buNone/>
             </a:pPr>
             <a:r>
-              <a:rPr lang="en-AU" dirty="0"/>
-              <a:t>-THE EVOLUTION OF THE PRICE OF COPPER… 						- US FEDERAL RESERVE</a:t>
-            </a:r>
-          </a:p>
-          <a:p>
-            <a:pPr lvl="8">
-              <a:buFontTx/>
-              <a:buChar char="-"/>
+              <a:rPr lang="en-AU" sz="1800" dirty="0"/>
+              <a:t> - YIELD CURVE </a:t>
+            </a:r>
+          </a:p>
+          <a:p>
+            <a:pPr marL="0" indent="0" algn="ctr">
+              <a:buNone/>
             </a:pPr>
             <a:r>
               <a:rPr lang="en-AU" sz="1800" dirty="0"/>
-              <a:t>                                                                       - OECD</a:t>
-            </a:r>
-            <a:endParaRPr lang="en-AU" dirty="0"/>
-          </a:p>
-          <a:p>
-            <a:pPr marL="0" indent="0">
-              <a:buNone/>
-            </a:pPr>
-            <a:r>
-              <a:rPr lang="en-AU" dirty="0"/>
-              <a:t>- ECONOMIC ESTIMATORS ( GDP, YIELD CURVE, CCI…)					-  WORLD BANK</a:t>
+              <a:t>-  CONSUMER CONFIDENCE INDEX (CCI)</a:t>
             </a:r>
           </a:p>
         </p:txBody>
@@ -5013,10 +5004,23 @@
         </p:nvSpPr>
         <p:spPr/>
         <p:txBody>
-          <a:bodyPr/>
-          <a:lstStyle/>
-          <a:p>
-            <a:endParaRPr lang="en-AU"/>
+          <a:bodyPr>
+            <a:normAutofit fontScale="90000"/>
+          </a:bodyPr>
+          <a:lstStyle/>
+          <a:p>
+            <a:pPr algn="ctr"/>
+            <a:br>
+              <a:rPr lang="en-AU" dirty="0"/>
+            </a:br>
+            <a:r>
+              <a:rPr lang="en-AU" dirty="0"/>
+              <a:t>data SOURCE</a:t>
+            </a:r>
+            <a:br>
+              <a:rPr lang="en-AU" dirty="0"/>
+            </a:br>
+            <a:endParaRPr lang="en-AU" dirty="0"/>
           </a:p>
         </p:txBody>
       </p:sp>
@@ -5044,7 +5048,7 @@
         </p:blipFill>
         <p:spPr>
           <a:xfrm>
-            <a:off x="1487315" y="1297077"/>
+            <a:off x="1080122" y="1939131"/>
             <a:ext cx="2660480" cy="1489869"/>
           </a:xfrm>
           <a:prstGeom prst="rect">
@@ -5074,7 +5078,7 @@
         </p:blipFill>
         <p:spPr>
           <a:xfrm>
-            <a:off x="1080122" y="3890666"/>
+            <a:off x="1795230" y="4314572"/>
             <a:ext cx="3474866" cy="1622469"/>
           </a:xfrm>
           <a:prstGeom prst="rect">
@@ -5104,7 +5108,7 @@
         </p:blipFill>
         <p:spPr>
           <a:xfrm>
-            <a:off x="6574183" y="4157940"/>
+            <a:off x="7476860" y="4314572"/>
             <a:ext cx="2397125" cy="2397125"/>
           </a:xfrm>
           <a:prstGeom prst="rect">
@@ -5134,7 +5138,7 @@
         </p:blipFill>
         <p:spPr>
           <a:xfrm>
-            <a:off x="7293148" y="1431096"/>
+            <a:off x="8078594" y="1685113"/>
             <a:ext cx="2868612" cy="1997904"/>
           </a:xfrm>
           <a:prstGeom prst="rect">

--- a/your-project/Final Project/Presentation & Eco insights/Copper, A New Economic Estimator ?.pptx
+++ b/your-project/Final Project/Presentation & Eco insights/Copper, A New Economic Estimator ?.pptx
@@ -3857,10 +3857,10 @@
       </p:grpSpPr>
       <p:sp useBgFill="1">
         <p:nvSpPr>
-          <p:cNvPr id="9" name="Rectangle 8">
+          <p:cNvPr id="34" name="Rectangle 33">
             <a:extLst>
               <a:ext uri="{FF2B5EF4-FFF2-40B4-BE49-F238E27FC236}">
-                <a16:creationId xmlns:a16="http://schemas.microsoft.com/office/drawing/2014/main" id="{C1FA8F66-3B85-411D-A2A6-A50DF3026D9A}"/>
+                <a16:creationId xmlns:a16="http://schemas.microsoft.com/office/drawing/2014/main" id="{6B695AA2-4B70-477F-AF90-536B720A1343}"/>
               </a:ext>
               <a:ext uri="{C183D7F6-B498-43B3-948B-1728B52AA6E4}">
                 <adec:decorative xmlns:adec="http://schemas.microsoft.com/office/drawing/2017/decorative" val="1"/>
@@ -3917,10 +3917,10 @@
       </p:sp>
       <p:pic>
         <p:nvPicPr>
-          <p:cNvPr id="4" name="Picture 3">
+          <p:cNvPr id="7" name="Image 6" descr="Une image contenant texte, tableau de points, horloge, assis&#10;&#10;Description générée automatiquement">
             <a:extLst>
               <a:ext uri="{FF2B5EF4-FFF2-40B4-BE49-F238E27FC236}">
-                <a16:creationId xmlns:a16="http://schemas.microsoft.com/office/drawing/2014/main" id="{A75CC8D2-660A-407B-B95C-B57C8FE71915}"/>
+                <a16:creationId xmlns:a16="http://schemas.microsoft.com/office/drawing/2014/main" id="{968AA1B4-0040-794C-90AD-5E850DC7AC02}"/>
               </a:ext>
             </a:extLst>
           </p:cNvPr>
@@ -3930,8 +3930,10 @@
           <p:nvPr/>
         </p:nvPicPr>
         <p:blipFill rotWithShape="1">
-          <a:blip r:embed="rId2"/>
-          <a:srcRect t="15730"/>
+          <a:blip r:embed="rId2">
+            <a:alphaModFix amt="40000"/>
+          </a:blip>
+          <a:srcRect/>
           <a:stretch/>
         </p:blipFill>
         <p:spPr>
@@ -3946,116 +3948,6 @@
       </p:pic>
       <p:sp>
         <p:nvSpPr>
-          <p:cNvPr id="11" name="Rectangle 10">
-            <a:extLst>
-              <a:ext uri="{FF2B5EF4-FFF2-40B4-BE49-F238E27FC236}">
-                <a16:creationId xmlns:a16="http://schemas.microsoft.com/office/drawing/2014/main" id="{D695E25C-06E7-4082-BE92-B571B616BC5A}"/>
-              </a:ext>
-              <a:ext uri="{C183D7F6-B498-43B3-948B-1728B52AA6E4}">
-                <adec:decorative xmlns:adec="http://schemas.microsoft.com/office/drawing/2017/decorative" val="1"/>
-              </a:ext>
-            </a:extLst>
-          </p:cNvPr>
-          <p:cNvSpPr>
-            <a:spLocks noGrp="1" noRot="1" noChangeAspect="1" noMove="1" noResize="1" noEditPoints="1" noAdjustHandles="1" noChangeArrowheads="1" noChangeShapeType="1" noTextEdit="1"/>
-          </p:cNvSpPr>
-          <p:nvPr>
-            <p:extLst>
-              <p:ext uri="{386F3935-93C4-4BCD-93E2-E3B085C9AB24}">
-                <p16:designElem xmlns:p16="http://schemas.microsoft.com/office/powerpoint/2015/main" val="1"/>
-              </p:ext>
-            </p:extLst>
-          </p:nvPr>
-        </p:nvSpPr>
-        <p:spPr>
-          <a:xfrm>
-            <a:off x="446534" y="4285571"/>
-            <a:ext cx="11265408" cy="94997"/>
-          </a:xfrm>
-          <a:prstGeom prst="rect">
-            <a:avLst/>
-          </a:prstGeom>
-          <a:solidFill>
-            <a:srgbClr val="465359"/>
-          </a:solidFill>
-          <a:ln>
-            <a:noFill/>
-          </a:ln>
-          <a:effectLst/>
-        </p:spPr>
-        <p:style>
-          <a:lnRef idx="1">
-            <a:schemeClr val="accent1"/>
-          </a:lnRef>
-          <a:fillRef idx="3">
-            <a:schemeClr val="accent1"/>
-          </a:fillRef>
-          <a:effectRef idx="2">
-            <a:schemeClr val="accent1"/>
-          </a:effectRef>
-          <a:fontRef idx="minor">
-            <a:schemeClr val="lt1"/>
-          </a:fontRef>
-        </p:style>
-      </p:sp>
-      <p:sp>
-        <p:nvSpPr>
-          <p:cNvPr id="13" name="Rectangle 12">
-            <a:extLst>
-              <a:ext uri="{FF2B5EF4-FFF2-40B4-BE49-F238E27FC236}">
-                <a16:creationId xmlns:a16="http://schemas.microsoft.com/office/drawing/2014/main" id="{E64BD7DF-F4BB-427F-B4F6-6DC83A59AA0F}"/>
-              </a:ext>
-              <a:ext uri="{C183D7F6-B498-43B3-948B-1728B52AA6E4}">
-                <adec:decorative xmlns:adec="http://schemas.microsoft.com/office/drawing/2017/decorative" val="1"/>
-              </a:ext>
-            </a:extLst>
-          </p:cNvPr>
-          <p:cNvSpPr>
-            <a:spLocks noGrp="1" noRot="1" noChangeAspect="1" noMove="1" noResize="1" noEditPoints="1" noAdjustHandles="1" noChangeArrowheads="1" noChangeShapeType="1" noTextEdit="1"/>
-          </p:cNvSpPr>
-          <p:nvPr>
-            <p:extLst>
-              <p:ext uri="{386F3935-93C4-4BCD-93E2-E3B085C9AB24}">
-                <p16:designElem xmlns:p16="http://schemas.microsoft.com/office/powerpoint/2015/main" val="1"/>
-              </p:ext>
-            </p:extLst>
-          </p:nvPr>
-        </p:nvSpPr>
-        <p:spPr>
-          <a:xfrm>
-            <a:off x="448732" y="4428067"/>
-            <a:ext cx="11260667" cy="1962497"/>
-          </a:xfrm>
-          <a:prstGeom prst="rect">
-            <a:avLst/>
-          </a:prstGeom>
-          <a:solidFill>
-            <a:srgbClr val="465359">
-              <a:alpha val="97000"/>
-            </a:srgbClr>
-          </a:solidFill>
-          <a:ln w="6350" cmpd="sng">
-            <a:noFill/>
-          </a:ln>
-          <a:effectLst/>
-        </p:spPr>
-        <p:style>
-          <a:lnRef idx="1">
-            <a:schemeClr val="accent1"/>
-          </a:lnRef>
-          <a:fillRef idx="3">
-            <a:schemeClr val="accent1"/>
-          </a:fillRef>
-          <a:effectRef idx="2">
-            <a:schemeClr val="accent1"/>
-          </a:effectRef>
-          <a:fontRef idx="minor">
-            <a:schemeClr val="lt1"/>
-          </a:fontRef>
-        </p:style>
-      </p:sp>
-      <p:sp>
-        <p:nvSpPr>
           <p:cNvPr id="2" name="Titre 1">
             <a:extLst>
               <a:ext uri="{FF2B5EF4-FFF2-40B4-BE49-F238E27FC236}">
@@ -4072,8 +3964,8 @@
         </p:nvSpPr>
         <p:spPr>
           <a:xfrm>
-            <a:off x="609599" y="4572000"/>
-            <a:ext cx="10965141" cy="895244"/>
+            <a:off x="965201" y="1020431"/>
+            <a:ext cx="10225530" cy="1475013"/>
           </a:xfrm>
         </p:spPr>
         <p:txBody>
@@ -4085,49 +3977,11 @@
             <a:r>
               <a:rPr lang="en-AU" sz="4000" dirty="0">
                 <a:solidFill>
-                  <a:srgbClr val="FFFFFF"/>
+                  <a:schemeClr val="tx1"/>
                 </a:solidFill>
               </a:rPr>
               <a:t>Copper, a new economic estimator ?</a:t>
             </a:r>
-          </a:p>
-        </p:txBody>
-      </p:sp>
-      <p:sp>
-        <p:nvSpPr>
-          <p:cNvPr id="3" name="Sous-titre 2">
-            <a:extLst>
-              <a:ext uri="{FF2B5EF4-FFF2-40B4-BE49-F238E27FC236}">
-                <a16:creationId xmlns:a16="http://schemas.microsoft.com/office/drawing/2014/main" id="{C7EBE00F-3331-AD40-8304-5F5C22B6177D}"/>
-              </a:ext>
-            </a:extLst>
-          </p:cNvPr>
-          <p:cNvSpPr>
-            <a:spLocks noGrp="1"/>
-          </p:cNvSpPr>
-          <p:nvPr>
-            <p:ph type="subTitle" idx="1"/>
-          </p:nvPr>
-        </p:nvSpPr>
-        <p:spPr>
-          <a:xfrm>
-            <a:off x="609598" y="5467246"/>
-            <a:ext cx="10965142" cy="484822"/>
-          </a:xfrm>
-        </p:spPr>
-        <p:txBody>
-          <a:bodyPr>
-            <a:normAutofit/>
-          </a:bodyPr>
-          <a:lstStyle/>
-          <a:p>
-            <a:endParaRPr lang="en-AU">
-              <a:solidFill>
-                <a:srgbClr val="FFFFFF">
-                  <a:alpha val="75000"/>
-                </a:srgbClr>
-              </a:solidFill>
-            </a:endParaRPr>
           </a:p>
         </p:txBody>
       </p:sp>
@@ -4805,7 +4659,7 @@
             <a:pPr algn="ctr"/>
             <a:r>
               <a:rPr lang="en-AU" b="1" dirty="0"/>
-              <a:t>CAN WE EXPECT IN THE NEXT TWELVE MONTHS  A NEW RECESSION ACCORDING TO MY PREDICTIONS?</a:t>
+              <a:t>CAN WE EXPECT A NEW RECESSION IN THE NEXT TWELVE MONTHS ?</a:t>
             </a:r>
           </a:p>
         </p:txBody>

--- a/your-project/Final Project/Presentation & Eco insights/Copper, A New Economic Estimator ?.pptx
+++ b/your-project/Final Project/Presentation & Eco insights/Copper, A New Economic Estimator ?.pptx
@@ -4171,7 +4171,7 @@
             </a:r>
             <a:r>
               <a:rPr lang="en-AU" dirty="0"/>
-              <a:t>IS A VERY INTERESTING TOOL TO PERFORM TIME SERIES…</a:t>
+              <a:t>IS A VERY INTERESTING TOOL TO PERFORM TIME SERIES</a:t>
             </a:r>
           </a:p>
           <a:p>
@@ -4217,7 +4217,7 @@
             </a:r>
             <a:r>
               <a:rPr lang="en-AU" dirty="0"/>
-              <a:t>, AS A PARAMETER TO PREDICT RECESSION, GIVE BETTER RESULTS…</a:t>
+              <a:t>, AS A PARAMETER TO PREDICT RECESSION, GIVE BETTER RESULTS</a:t>
             </a:r>
           </a:p>
           <a:p>
@@ -4238,7 +4238,7 @@
             </a:r>
             <a:r>
               <a:rPr lang="en-AU" dirty="0"/>
-              <a:t>INTO RECESSION IN 2020 …</a:t>
+              <a:t>INTO RECESSION IN 2020 </a:t>
             </a:r>
           </a:p>
         </p:txBody>
@@ -4337,7 +4337,19 @@
           <a:p>
             <a:r>
               <a:rPr lang="en-AU" dirty="0"/>
-              <a:t>LOOK AT MORE ECONOMIC ESTIMATORS SUCH AS DEBT LEVEL OR UNEMPLOYEMENT LEVEL…</a:t>
+              <a:t>LOOK AT </a:t>
+            </a:r>
+            <a:r>
+              <a:rPr lang="en-AU" b="1" dirty="0">
+                <a:solidFill>
+                  <a:srgbClr val="00B050"/>
+                </a:solidFill>
+              </a:rPr>
+              <a:t>MORE ECONOMIC ESTIMATORS </a:t>
+            </a:r>
+            <a:r>
+              <a:rPr lang="en-AU" dirty="0"/>
+              <a:t>SUCH AS DEBT LEVEL OR UNEMPLOYEMENT LEVEL</a:t>
             </a:r>
           </a:p>
           <a:p>
@@ -4346,7 +4358,19 @@
           <a:p>
             <a:r>
               <a:rPr lang="en-AU" dirty="0"/>
-              <a:t>TAKE INTO CONSIDERATION CHINA IN THE CONSUMPTION AND PRODUCTION OF COPPER…</a:t>
+              <a:t>TAKE INTO CONSIDERATION </a:t>
+            </a:r>
+            <a:r>
+              <a:rPr lang="en-AU" b="1" dirty="0">
+                <a:solidFill>
+                  <a:srgbClr val="00B050"/>
+                </a:solidFill>
+              </a:rPr>
+              <a:t>CHINA </a:t>
+            </a:r>
+            <a:r>
+              <a:rPr lang="en-AU" dirty="0"/>
+              <a:t>IN THE CONSUMPTION AND PRODUCTION OF COPPER</a:t>
             </a:r>
           </a:p>
           <a:p>
@@ -4355,7 +4379,19 @@
           <a:p>
             <a:r>
               <a:rPr lang="en-AU" dirty="0"/>
-              <a:t>USE XG BOOST INSTEAD OF PROPHET  TO MODEL TIME SERIES…</a:t>
+              <a:t>USE </a:t>
+            </a:r>
+            <a:r>
+              <a:rPr lang="en-AU" b="1" dirty="0">
+                <a:solidFill>
+                  <a:srgbClr val="00B050"/>
+                </a:solidFill>
+              </a:rPr>
+              <a:t>XG BOOST </a:t>
+            </a:r>
+            <a:r>
+              <a:rPr lang="en-AU" dirty="0"/>
+              <a:t>INSTEAD OF PROPHET  TO MODEL TIME SERIES</a:t>
             </a:r>
           </a:p>
           <a:p>
@@ -4367,8 +4403,17 @@
           <a:p>
             <a:r>
               <a:rPr lang="en-AU" dirty="0"/>
-              <a:t>FIND OTHER ALGORITHMS TO IMPROVE ACCURACY…</a:t>
-            </a:r>
+              <a:t>FIND OTHER ALGORITHMS TO </a:t>
+            </a:r>
+            <a:r>
+              <a:rPr lang="en-AU" b="1" dirty="0">
+                <a:solidFill>
+                  <a:srgbClr val="00B050"/>
+                </a:solidFill>
+              </a:rPr>
+              <a:t>IMPROVE ACCURACY</a:t>
+            </a:r>
+            <a:endParaRPr lang="en-AU" dirty="0"/>
           </a:p>
         </p:txBody>
       </p:sp>
@@ -4628,11 +4673,11 @@
               <a:buNone/>
             </a:pPr>
             <a:r>
-              <a:rPr lang="fr-FR" i="1" u="sng" dirty="0"/>
+              <a:rPr lang="fr-FR" sz="1200" i="1" dirty="0"/>
               <a:t> </a:t>
             </a:r>
             <a:r>
-              <a:rPr lang="en-AU" i="1" u="sng" dirty="0"/>
+              <a:rPr lang="en-AU" sz="1200" i="1" dirty="0"/>
               <a:t>Financial Times , October 2019</a:t>
             </a:r>
           </a:p>
@@ -4646,7 +4691,7 @@
             <a:pPr algn="ctr"/>
             <a:r>
               <a:rPr lang="en-AU" b="1" dirty="0"/>
-              <a:t>CAN WE CONSIDER THE PRICE OF COPPER AS A VIABLE ECONOMIC ESTIMATOR TO PREDICT RECESSION?</a:t>
+              <a:t>CAN WE CONSIDER THE PRICE OF COPPER AS A VIABLE ECONOMIC ESTIMATOR TO PREDICT RECESSION ?</a:t>
             </a:r>
           </a:p>
           <a:p>
@@ -4774,11 +4819,11 @@
             </a:pPr>
             <a:r>
               <a:rPr lang="en-AU" dirty="0"/>
-              <a:t>						</a:t>
+              <a:t>					</a:t>
             </a:r>
             <a:r>
               <a:rPr lang="en-AU" sz="1800" dirty="0"/>
-              <a:t>-THE EVOLUTION OF THE PRICE OF COPPER… 						</a:t>
+              <a:t>THE EVOLUTION OF THE PRICE OF COPPER						</a:t>
             </a:r>
           </a:p>
           <a:p>
@@ -4787,7 +4832,7 @@
             </a:pPr>
             <a:r>
               <a:rPr lang="en-AU" sz="1800" dirty="0"/>
-              <a:t> - GDP</a:t>
+              <a:t> GDP</a:t>
             </a:r>
           </a:p>
           <a:p>
@@ -4796,7 +4841,7 @@
             </a:pPr>
             <a:r>
               <a:rPr lang="en-AU" sz="1800" dirty="0"/>
-              <a:t> - YIELD CURVE </a:t>
+              <a:t> YIELD CURVE </a:t>
             </a:r>
           </a:p>
           <a:p>
@@ -4805,7 +4850,7 @@
             </a:pPr>
             <a:r>
               <a:rPr lang="en-AU" sz="1800" dirty="0"/>
-              <a:t>-  CONSUMER CONFIDENCE INDEX (CCI)</a:t>
+              <a:t>CONSUMER CONFIDENCE INDEX (CCI)</a:t>
             </a:r>
           </a:p>
         </p:txBody>
@@ -5090,7 +5135,7 @@
         <p:spPr/>
         <p:txBody>
           <a:bodyPr>
-            <a:normAutofit fontScale="92500"/>
+            <a:normAutofit lnSpcReduction="10000"/>
           </a:bodyPr>
           <a:lstStyle/>
           <a:p>
@@ -5100,7 +5145,7 @@
             </a:pPr>
             <a:r>
               <a:rPr lang="en-AU" dirty="0"/>
-              <a:t>CLEAN THE DATA…</a:t>
+              <a:t>CLEAN THE DATA</a:t>
             </a:r>
           </a:p>
           <a:p>
@@ -5117,7 +5162,7 @@
             </a:pPr>
             <a:r>
               <a:rPr lang="en-AU" dirty="0"/>
-              <a:t>LOOK FOR PATTERNS AND SEASONALITY (TIME SERIES)…</a:t>
+              <a:t>LOOK FOR PATTERNS AND SEASONALITY (TIME SERIES)</a:t>
             </a:r>
           </a:p>
           <a:p>
@@ -5134,7 +5179,7 @@
             </a:pPr>
             <a:r>
               <a:rPr lang="en-AU" dirty="0"/>
-              <a:t>RESAMPLE THE DATA BEFORE USING PROPHET…</a:t>
+              <a:t>RESAMPLE THE DATA BEFORE USING PROPHET</a:t>
             </a:r>
           </a:p>
           <a:p>
@@ -5151,7 +5196,7 @@
             </a:pPr>
             <a:r>
               <a:rPr lang="en-AU" dirty="0"/>
-              <a:t>USE FB.PROPHET TO CREATE TIME SERIES FOR EACH PARAMETER AND MAKE PREDICTIONS…</a:t>
+              <a:t>USE FB.PROPHET TO CREATE TIME SERIES FOR EACH PARAMETER AND MAKE PREDICTIONS</a:t>
             </a:r>
           </a:p>
           <a:p>
@@ -5168,7 +5213,7 @@
             </a:pPr>
             <a:r>
               <a:rPr lang="en-AU" dirty="0"/>
-              <a:t>MERGE THE DIFFERENT PARAMETERS TOGETHER AND CREATE A DATAFRAME THAT POSSESS FORECASTED VALUES…</a:t>
+              <a:t>MERGE THE DIFFERENT PARAMETERS TOGETHER AND CREATE A DATAFRAME THAT POSSESS FORECASTED VALUES</a:t>
             </a:r>
           </a:p>
         </p:txBody>
@@ -5520,7 +5565,7 @@
           <a:p>
             <a:r>
               <a:rPr lang="en-AU" b="1" i="1" u="sng" dirty="0"/>
-              <a:t>I DIVIDED THE MACHINE LEARNING PROCESS IN 2 PARTS:</a:t>
+              <a:t> MACHINE LEARNING PROCESS IN 2 PARTS:</a:t>
             </a:r>
           </a:p>
           <a:p>
@@ -5536,7 +5581,7 @@
             </a:pPr>
             <a:r>
               <a:rPr lang="en-AU" dirty="0"/>
-              <a:t>APPLY RANDOM FOREST &amp; LOGISTIC REGRESSION ALGORITHM ON THE DATAFRAME ( CCI,YIELD,COPPER,RECESSION) WITH THE TRUE VALUES …</a:t>
+              <a:t>APPLY RANDOM FOREST &amp; LOGISTIC REGRESSION ALGORITHM ON THE DATAFRAME ( CCI,YIELD,COPPER,RECESSION) WITH THE TRUE VALUES </a:t>
             </a:r>
           </a:p>
           <a:p>
@@ -5553,7 +5598,7 @@
             </a:pPr>
             <a:r>
               <a:rPr lang="en-AU" dirty="0"/>
-              <a:t>APPLY THE SAME ALGORITHMS ON THE FORECASTED VALUES (FROM PROPHET) TO PREDICT RECESSION…</a:t>
+              <a:t>APPLY THE SAME ALGORITHMS ON THE FORECASTED VALUES (FROM PROPHET) TO PREDICT RECESSION</a:t>
             </a:r>
           </a:p>
           <a:p>
@@ -5571,8 +5616,8 @@
               <a:t>	</a:t>
             </a:r>
             <a:r>
-              <a:rPr lang="en-AU" i="1" dirty="0"/>
-              <a:t>N.B: I HAD TO APPLY THOSE MODELS ONCE WITH THE PRICE OF COPPER AS A PARAMETER AND ONCE WITHOUT…</a:t>
+              <a:rPr lang="en-AU" b="1" i="1" dirty="0"/>
+              <a:t>N.B: I HAD TO APPLY THOSE MODELS ONCE WITH THE PRICE OF COPPER AS A PARAMETER AND ONCE WITHOUT</a:t>
             </a:r>
           </a:p>
           <a:p>
@@ -5675,7 +5720,7 @@
         <p:spPr/>
         <p:txBody>
           <a:bodyPr>
-            <a:normAutofit fontScale="92500" lnSpcReduction="10000"/>
+            <a:normAutofit/>
           </a:bodyPr>
           <a:lstStyle/>
           <a:p>
@@ -5684,7 +5729,7 @@
             </a:pPr>
             <a:r>
               <a:rPr lang="en-AU" sz="1600" i="1" dirty="0"/>
-              <a:t>… I CHOSE THE RANDOM FOREST ALGORITHM OVER LOGISTIC REGRESSION BECAUSE ALL THE TEST I HAVE USED TO CHECK EFFICIENCY GAVE BETTER RESULTS… </a:t>
+              <a:t>… I CHOSE THE RANDOM FOREST ALGORITHM OVER LOGISTIC REGRESSION: BETTER ACCURACY… </a:t>
             </a:r>
           </a:p>
           <a:p>

--- a/your-project/Final Project/Presentation & Eco insights/Copper, A New Economic Estimator ?.pptx
+++ b/your-project/Final Project/Presentation & Eco insights/Copper, A New Economic Estimator ?.pptx
@@ -5770,11 +5770,11 @@
             </a:r>
             <a:r>
               <a:rPr lang="en-AU" b="1" dirty="0"/>
-              <a:t>78%</a:t>
-            </a:r>
-            <a:r>
-              <a:rPr lang="en-AU" dirty="0"/>
-              <a:t> ON THE F1 SCORE &amp; </a:t>
+              <a:t>78% </a:t>
+            </a:r>
+            <a:r>
+              <a:rPr lang="en-AU" dirty="0"/>
+              <a:t>ON THE F1 SCORE &amp; </a:t>
             </a:r>
             <a:r>
               <a:rPr lang="en-AU" b="1" dirty="0"/>
@@ -5804,7 +5804,23 @@
             </a:r>
             <a:r>
               <a:rPr lang="en-AU" dirty="0"/>
-              <a:t>: 73% ON THE F1 SCORE &amp; 81 % ACCURACY ON PREDICTING VALUES</a:t>
+              <a:t>: </a:t>
+            </a:r>
+            <a:r>
+              <a:rPr lang="en-AU" b="1" dirty="0"/>
+              <a:t>73%</a:t>
+            </a:r>
+            <a:r>
+              <a:rPr lang="en-AU" dirty="0"/>
+              <a:t> ON THE F1 SCORE &amp; </a:t>
+            </a:r>
+            <a:r>
+              <a:rPr lang="en-AU" b="1" dirty="0"/>
+              <a:t>81 % </a:t>
+            </a:r>
+            <a:r>
+              <a:rPr lang="en-AU" dirty="0"/>
+              <a:t>ACCURACY ON PREDICTING VALUES</a:t>
             </a:r>
           </a:p>
           <a:p>

--- a/your-project/Final Project/Presentation & Eco insights/Copper, A New Economic Estimator ?.pptx
+++ b/your-project/Final Project/Presentation & Eco insights/Copper, A New Economic Estimator ?.pptx
@@ -4819,11 +4819,19 @@
             </a:pPr>
             <a:r>
               <a:rPr lang="en-AU" dirty="0"/>
-              <a:t>					</a:t>
+              <a:t>				</a:t>
+            </a:r>
+            <a:r>
+              <a:rPr lang="en-AU"/>
+              <a:t>	</a:t>
+            </a:r>
+            <a:r>
+              <a:rPr lang="en-AU" sz="1800"/>
+              <a:t>PRICE </a:t>
             </a:r>
             <a:r>
               <a:rPr lang="en-AU" sz="1800" dirty="0"/>
-              <a:t>THE EVOLUTION OF THE PRICE OF COPPER						</a:t>
+              <a:t>OF COPPER						</a:t>
             </a:r>
           </a:p>
           <a:p>

--- a/your-project/Final Project/Presentation & Eco insights/Copper, A New Economic Estimator ?.pptx
+++ b/your-project/Final Project/Presentation & Eco insights/Copper, A New Economic Estimator ?.pptx
@@ -4819,19 +4819,11 @@
             </a:pPr>
             <a:r>
               <a:rPr lang="en-AU" dirty="0"/>
-              <a:t>				</a:t>
-            </a:r>
-            <a:r>
-              <a:rPr lang="en-AU"/>
-              <a:t>	</a:t>
-            </a:r>
-            <a:r>
-              <a:rPr lang="en-AU" sz="1800"/>
-              <a:t>PRICE </a:t>
+              <a:t>					</a:t>
             </a:r>
             <a:r>
               <a:rPr lang="en-AU" sz="1800" dirty="0"/>
-              <a:t>OF COPPER						</a:t>
+              <a:t>PRICE OF COPPER						</a:t>
             </a:r>
           </a:p>
           <a:p>
@@ -5539,7 +5531,7 @@
             <a:pPr algn="ctr"/>
             <a:r>
               <a:rPr lang="en-AU" dirty="0"/>
-              <a:t>MACHINE LEARNING learnings</a:t>
+              <a:t>MACHINE LEARNING </a:t>
             </a:r>
             <a:br>
               <a:rPr lang="en-AU" dirty="0"/>
